--- a/ppt 16-9/1035.跟随耶稣走.pptx
+++ b/ppt 16-9/1035.跟随耶稣走.pptx
@@ -5,7 +5,7 @@
     <p:sldMasterId id="2147483648" r:id="rId1"/>
   </p:sldMasterIdLst>
   <p:sldIdLst>
-    <p:sldId id="464" r:id="rId2"/>
+    <p:sldId id="466" r:id="rId2"/>
   </p:sldIdLst>
   <p:sldSz cx="12192000" cy="6858000"/>
   <p:notesSz cx="6858000" cy="9144000"/>
@@ -129,7 +129,7 @@
           <p:cNvPr id="2" name="标题 1">
             <a:extLst>
               <a:ext uri="{FF2B5EF4-FFF2-40B4-BE49-F238E27FC236}">
-                <a16:creationId xmlns:a16="http://schemas.microsoft.com/office/drawing/2014/main" id="{509179B9-DFF8-708F-AB06-91EC3D3748A8}"/>
+                <a16:creationId xmlns:a16="http://schemas.microsoft.com/office/drawing/2014/main" id="{71D85E0F-086A-CE61-30CB-A229F9DBF893}"/>
               </a:ext>
             </a:extLst>
           </p:cNvPr>
@@ -166,7 +166,7 @@
           <p:cNvPr id="3" name="副标题 2">
             <a:extLst>
               <a:ext uri="{FF2B5EF4-FFF2-40B4-BE49-F238E27FC236}">
-                <a16:creationId xmlns:a16="http://schemas.microsoft.com/office/drawing/2014/main" id="{4E6F8601-9859-1AB5-A9E7-95E5EF3A66E2}"/>
+                <a16:creationId xmlns:a16="http://schemas.microsoft.com/office/drawing/2014/main" id="{5FA4A61A-7E54-684E-8161-436EEFB8FE59}"/>
               </a:ext>
             </a:extLst>
           </p:cNvPr>
@@ -236,7 +236,7 @@
           <p:cNvPr id="4" name="日期占位符 3">
             <a:extLst>
               <a:ext uri="{FF2B5EF4-FFF2-40B4-BE49-F238E27FC236}">
-                <a16:creationId xmlns:a16="http://schemas.microsoft.com/office/drawing/2014/main" id="{719F678C-DF70-F73D-237F-0CB8A0070050}"/>
+                <a16:creationId xmlns:a16="http://schemas.microsoft.com/office/drawing/2014/main" id="{7B763D8F-9551-0448-1A46-1F15FA7544C8}"/>
               </a:ext>
             </a:extLst>
           </p:cNvPr>
@@ -252,7 +252,7 @@
           <a:bodyPr/>
           <a:lstStyle/>
           <a:p>
-            <a:fld id="{C59E1E4C-57AD-4CCF-9ABD-AC80CB65D638}" type="datetimeFigureOut">
+            <a:fld id="{DD7938C0-BE8B-4B60-9417-FE83B2F26F67}" type="datetimeFigureOut">
               <a:rPr lang="zh-CN" altLang="en-US" smtClean="0"/>
               <a:t>2024/3/10</a:t>
             </a:fld>
@@ -265,7 +265,7 @@
           <p:cNvPr id="5" name="页脚占位符 4">
             <a:extLst>
               <a:ext uri="{FF2B5EF4-FFF2-40B4-BE49-F238E27FC236}">
-                <a16:creationId xmlns:a16="http://schemas.microsoft.com/office/drawing/2014/main" id="{134E5DB1-6D87-41CD-43BF-855F0FA1454D}"/>
+                <a16:creationId xmlns:a16="http://schemas.microsoft.com/office/drawing/2014/main" id="{A3033F2D-9D96-5897-6B83-29B6D8119A2A}"/>
               </a:ext>
             </a:extLst>
           </p:cNvPr>
@@ -290,7 +290,7 @@
           <p:cNvPr id="6" name="灯片编号占位符 5">
             <a:extLst>
               <a:ext uri="{FF2B5EF4-FFF2-40B4-BE49-F238E27FC236}">
-                <a16:creationId xmlns:a16="http://schemas.microsoft.com/office/drawing/2014/main" id="{924773B4-0E3B-6914-E490-85E42C3619A8}"/>
+                <a16:creationId xmlns:a16="http://schemas.microsoft.com/office/drawing/2014/main" id="{664FDA00-E353-3F63-797A-89F97212953E}"/>
               </a:ext>
             </a:extLst>
           </p:cNvPr>
@@ -306,7 +306,7 @@
           <a:bodyPr/>
           <a:lstStyle/>
           <a:p>
-            <a:fld id="{4BDEFB30-7EEE-40FB-BA7B-BD4C1DD05415}" type="slidenum">
+            <a:fld id="{23B42C69-406E-4D8C-8C07-C73844720A52}" type="slidenum">
               <a:rPr lang="zh-CN" altLang="en-US" smtClean="0"/>
               <a:t>‹#›</a:t>
             </a:fld>
@@ -317,7 +317,7 @@
     </p:spTree>
     <p:extLst>
       <p:ext uri="{BB962C8B-B14F-4D97-AF65-F5344CB8AC3E}">
-        <p14:creationId xmlns:p14="http://schemas.microsoft.com/office/powerpoint/2010/main" val="4096457908"/>
+        <p14:creationId xmlns:p14="http://schemas.microsoft.com/office/powerpoint/2010/main" val="4028588350"/>
       </p:ext>
     </p:extLst>
   </p:cSld>
@@ -349,7 +349,7 @@
           <p:cNvPr id="2" name="标题 1">
             <a:extLst>
               <a:ext uri="{FF2B5EF4-FFF2-40B4-BE49-F238E27FC236}">
-                <a16:creationId xmlns:a16="http://schemas.microsoft.com/office/drawing/2014/main" id="{19DCFA66-0CD2-6AFE-EACC-10765D706500}"/>
+                <a16:creationId xmlns:a16="http://schemas.microsoft.com/office/drawing/2014/main" id="{76F6C39F-D605-D37D-42F2-AC473B350E63}"/>
               </a:ext>
             </a:extLst>
           </p:cNvPr>
@@ -377,7 +377,7 @@
           <p:cNvPr id="3" name="竖排文字占位符 2">
             <a:extLst>
               <a:ext uri="{FF2B5EF4-FFF2-40B4-BE49-F238E27FC236}">
-                <a16:creationId xmlns:a16="http://schemas.microsoft.com/office/drawing/2014/main" id="{217C9568-AC09-AEF0-39B1-119CF9BE2939}"/>
+                <a16:creationId xmlns:a16="http://schemas.microsoft.com/office/drawing/2014/main" id="{1AB96FAA-8913-EA88-A23B-1875CBE639BC}"/>
               </a:ext>
             </a:extLst>
           </p:cNvPr>
@@ -434,7 +434,7 @@
           <p:cNvPr id="4" name="日期占位符 3">
             <a:extLst>
               <a:ext uri="{FF2B5EF4-FFF2-40B4-BE49-F238E27FC236}">
-                <a16:creationId xmlns:a16="http://schemas.microsoft.com/office/drawing/2014/main" id="{CF483588-CB58-CF7D-D67B-13D4493C97D7}"/>
+                <a16:creationId xmlns:a16="http://schemas.microsoft.com/office/drawing/2014/main" id="{ACEBFF8F-207B-CDEB-9B90-A514028B3222}"/>
               </a:ext>
             </a:extLst>
           </p:cNvPr>
@@ -450,7 +450,7 @@
           <a:bodyPr/>
           <a:lstStyle/>
           <a:p>
-            <a:fld id="{C59E1E4C-57AD-4CCF-9ABD-AC80CB65D638}" type="datetimeFigureOut">
+            <a:fld id="{DD7938C0-BE8B-4B60-9417-FE83B2F26F67}" type="datetimeFigureOut">
               <a:rPr lang="zh-CN" altLang="en-US" smtClean="0"/>
               <a:t>2024/3/10</a:t>
             </a:fld>
@@ -463,7 +463,7 @@
           <p:cNvPr id="5" name="页脚占位符 4">
             <a:extLst>
               <a:ext uri="{FF2B5EF4-FFF2-40B4-BE49-F238E27FC236}">
-                <a16:creationId xmlns:a16="http://schemas.microsoft.com/office/drawing/2014/main" id="{8DA7271E-F12F-9B19-1FF0-725F13AC4CD8}"/>
+                <a16:creationId xmlns:a16="http://schemas.microsoft.com/office/drawing/2014/main" id="{350E56FA-5CB2-D6F4-63E2-A3E41AED4F4E}"/>
               </a:ext>
             </a:extLst>
           </p:cNvPr>
@@ -488,7 +488,7 @@
           <p:cNvPr id="6" name="灯片编号占位符 5">
             <a:extLst>
               <a:ext uri="{FF2B5EF4-FFF2-40B4-BE49-F238E27FC236}">
-                <a16:creationId xmlns:a16="http://schemas.microsoft.com/office/drawing/2014/main" id="{C5783DC1-52A7-2329-F794-B393F7E25F09}"/>
+                <a16:creationId xmlns:a16="http://schemas.microsoft.com/office/drawing/2014/main" id="{059742FA-A0ED-8B3A-325F-2BF597D857A9}"/>
               </a:ext>
             </a:extLst>
           </p:cNvPr>
@@ -504,7 +504,7 @@
           <a:bodyPr/>
           <a:lstStyle/>
           <a:p>
-            <a:fld id="{4BDEFB30-7EEE-40FB-BA7B-BD4C1DD05415}" type="slidenum">
+            <a:fld id="{23B42C69-406E-4D8C-8C07-C73844720A52}" type="slidenum">
               <a:rPr lang="zh-CN" altLang="en-US" smtClean="0"/>
               <a:t>‹#›</a:t>
             </a:fld>
@@ -515,7 +515,7 @@
     </p:spTree>
     <p:extLst>
       <p:ext uri="{BB962C8B-B14F-4D97-AF65-F5344CB8AC3E}">
-        <p14:creationId xmlns:p14="http://schemas.microsoft.com/office/powerpoint/2010/main" val="1963719471"/>
+        <p14:creationId xmlns:p14="http://schemas.microsoft.com/office/powerpoint/2010/main" val="2659563994"/>
       </p:ext>
     </p:extLst>
   </p:cSld>
@@ -547,7 +547,7 @@
           <p:cNvPr id="2" name="竖排标题 1">
             <a:extLst>
               <a:ext uri="{FF2B5EF4-FFF2-40B4-BE49-F238E27FC236}">
-                <a16:creationId xmlns:a16="http://schemas.microsoft.com/office/drawing/2014/main" id="{9644B858-9843-06FD-D4FE-2AC4B071DFC0}"/>
+                <a16:creationId xmlns:a16="http://schemas.microsoft.com/office/drawing/2014/main" id="{7C1C38CF-6660-ADB2-C1FB-4825F7165F34}"/>
               </a:ext>
             </a:extLst>
           </p:cNvPr>
@@ -580,7 +580,7 @@
           <p:cNvPr id="3" name="竖排文字占位符 2">
             <a:extLst>
               <a:ext uri="{FF2B5EF4-FFF2-40B4-BE49-F238E27FC236}">
-                <a16:creationId xmlns:a16="http://schemas.microsoft.com/office/drawing/2014/main" id="{5EDE1C26-9F10-1EB8-A4BC-2044DAD70ECA}"/>
+                <a16:creationId xmlns:a16="http://schemas.microsoft.com/office/drawing/2014/main" id="{65B95281-8DA6-69C6-8F94-9AEE16C1CB6D}"/>
               </a:ext>
             </a:extLst>
           </p:cNvPr>
@@ -642,7 +642,7 @@
           <p:cNvPr id="4" name="日期占位符 3">
             <a:extLst>
               <a:ext uri="{FF2B5EF4-FFF2-40B4-BE49-F238E27FC236}">
-                <a16:creationId xmlns:a16="http://schemas.microsoft.com/office/drawing/2014/main" id="{8C477B35-3A1C-EB55-613D-5ECB9CF078E5}"/>
+                <a16:creationId xmlns:a16="http://schemas.microsoft.com/office/drawing/2014/main" id="{3F2F2ECD-DFD4-0A19-C1ED-18FAB5BD50DA}"/>
               </a:ext>
             </a:extLst>
           </p:cNvPr>
@@ -658,7 +658,7 @@
           <a:bodyPr/>
           <a:lstStyle/>
           <a:p>
-            <a:fld id="{C59E1E4C-57AD-4CCF-9ABD-AC80CB65D638}" type="datetimeFigureOut">
+            <a:fld id="{DD7938C0-BE8B-4B60-9417-FE83B2F26F67}" type="datetimeFigureOut">
               <a:rPr lang="zh-CN" altLang="en-US" smtClean="0"/>
               <a:t>2024/3/10</a:t>
             </a:fld>
@@ -671,7 +671,7 @@
           <p:cNvPr id="5" name="页脚占位符 4">
             <a:extLst>
               <a:ext uri="{FF2B5EF4-FFF2-40B4-BE49-F238E27FC236}">
-                <a16:creationId xmlns:a16="http://schemas.microsoft.com/office/drawing/2014/main" id="{1DD6221A-477A-63B3-DEDA-4E09AE723BF6}"/>
+                <a16:creationId xmlns:a16="http://schemas.microsoft.com/office/drawing/2014/main" id="{FAA286C5-DF23-DFA5-96D0-88A6CCBC89AB}"/>
               </a:ext>
             </a:extLst>
           </p:cNvPr>
@@ -696,7 +696,7 @@
           <p:cNvPr id="6" name="灯片编号占位符 5">
             <a:extLst>
               <a:ext uri="{FF2B5EF4-FFF2-40B4-BE49-F238E27FC236}">
-                <a16:creationId xmlns:a16="http://schemas.microsoft.com/office/drawing/2014/main" id="{9293B810-E05E-7CA1-7445-8EFF9706FB76}"/>
+                <a16:creationId xmlns:a16="http://schemas.microsoft.com/office/drawing/2014/main" id="{295EED70-6861-98AF-AF88-4318D39F9DD4}"/>
               </a:ext>
             </a:extLst>
           </p:cNvPr>
@@ -712,7 +712,7 @@
           <a:bodyPr/>
           <a:lstStyle/>
           <a:p>
-            <a:fld id="{4BDEFB30-7EEE-40FB-BA7B-BD4C1DD05415}" type="slidenum">
+            <a:fld id="{23B42C69-406E-4D8C-8C07-C73844720A52}" type="slidenum">
               <a:rPr lang="zh-CN" altLang="en-US" smtClean="0"/>
               <a:t>‹#›</a:t>
             </a:fld>
@@ -723,7 +723,7 @@
     </p:spTree>
     <p:extLst>
       <p:ext uri="{BB962C8B-B14F-4D97-AF65-F5344CB8AC3E}">
-        <p14:creationId xmlns:p14="http://schemas.microsoft.com/office/powerpoint/2010/main" val="1476825923"/>
+        <p14:creationId xmlns:p14="http://schemas.microsoft.com/office/powerpoint/2010/main" val="939508509"/>
       </p:ext>
     </p:extLst>
   </p:cSld>
@@ -755,7 +755,7 @@
           <p:cNvPr id="2" name="标题 1">
             <a:extLst>
               <a:ext uri="{FF2B5EF4-FFF2-40B4-BE49-F238E27FC236}">
-                <a16:creationId xmlns:a16="http://schemas.microsoft.com/office/drawing/2014/main" id="{33F251C8-CD97-D460-FCDD-278893F8E658}"/>
+                <a16:creationId xmlns:a16="http://schemas.microsoft.com/office/drawing/2014/main" id="{06F59315-9AD2-139D-738B-266F8A3767BF}"/>
               </a:ext>
             </a:extLst>
           </p:cNvPr>
@@ -783,7 +783,7 @@
           <p:cNvPr id="3" name="内容占位符 2">
             <a:extLst>
               <a:ext uri="{FF2B5EF4-FFF2-40B4-BE49-F238E27FC236}">
-                <a16:creationId xmlns:a16="http://schemas.microsoft.com/office/drawing/2014/main" id="{8022603C-5209-1562-9ECD-61AAB3DFE5C6}"/>
+                <a16:creationId xmlns:a16="http://schemas.microsoft.com/office/drawing/2014/main" id="{67915A6D-113A-B36D-5B8D-EA45C2F0B4CB}"/>
               </a:ext>
             </a:extLst>
           </p:cNvPr>
@@ -840,7 +840,7 @@
           <p:cNvPr id="4" name="日期占位符 3">
             <a:extLst>
               <a:ext uri="{FF2B5EF4-FFF2-40B4-BE49-F238E27FC236}">
-                <a16:creationId xmlns:a16="http://schemas.microsoft.com/office/drawing/2014/main" id="{2E129068-223C-F62A-4D7A-CD3671EA5E04}"/>
+                <a16:creationId xmlns:a16="http://schemas.microsoft.com/office/drawing/2014/main" id="{817EA990-A74D-223B-8BE7-3DED5AD08268}"/>
               </a:ext>
             </a:extLst>
           </p:cNvPr>
@@ -856,7 +856,7 @@
           <a:bodyPr/>
           <a:lstStyle/>
           <a:p>
-            <a:fld id="{C59E1E4C-57AD-4CCF-9ABD-AC80CB65D638}" type="datetimeFigureOut">
+            <a:fld id="{DD7938C0-BE8B-4B60-9417-FE83B2F26F67}" type="datetimeFigureOut">
               <a:rPr lang="zh-CN" altLang="en-US" smtClean="0"/>
               <a:t>2024/3/10</a:t>
             </a:fld>
@@ -869,7 +869,7 @@
           <p:cNvPr id="5" name="页脚占位符 4">
             <a:extLst>
               <a:ext uri="{FF2B5EF4-FFF2-40B4-BE49-F238E27FC236}">
-                <a16:creationId xmlns:a16="http://schemas.microsoft.com/office/drawing/2014/main" id="{C5B21031-3679-A555-F0AC-A379729CA5E2}"/>
+                <a16:creationId xmlns:a16="http://schemas.microsoft.com/office/drawing/2014/main" id="{19A9DB57-5034-6544-4D90-39963FF629B6}"/>
               </a:ext>
             </a:extLst>
           </p:cNvPr>
@@ -894,7 +894,7 @@
           <p:cNvPr id="6" name="灯片编号占位符 5">
             <a:extLst>
               <a:ext uri="{FF2B5EF4-FFF2-40B4-BE49-F238E27FC236}">
-                <a16:creationId xmlns:a16="http://schemas.microsoft.com/office/drawing/2014/main" id="{F0E7C375-9F4A-7B8C-7E38-77E1EABCDF5F}"/>
+                <a16:creationId xmlns:a16="http://schemas.microsoft.com/office/drawing/2014/main" id="{2DE057F5-40EA-26EE-E709-A88ECAEB6184}"/>
               </a:ext>
             </a:extLst>
           </p:cNvPr>
@@ -910,7 +910,7 @@
           <a:bodyPr/>
           <a:lstStyle/>
           <a:p>
-            <a:fld id="{4BDEFB30-7EEE-40FB-BA7B-BD4C1DD05415}" type="slidenum">
+            <a:fld id="{23B42C69-406E-4D8C-8C07-C73844720A52}" type="slidenum">
               <a:rPr lang="zh-CN" altLang="en-US" smtClean="0"/>
               <a:t>‹#›</a:t>
             </a:fld>
@@ -921,7 +921,7 @@
     </p:spTree>
     <p:extLst>
       <p:ext uri="{BB962C8B-B14F-4D97-AF65-F5344CB8AC3E}">
-        <p14:creationId xmlns:p14="http://schemas.microsoft.com/office/powerpoint/2010/main" val="1305092977"/>
+        <p14:creationId xmlns:p14="http://schemas.microsoft.com/office/powerpoint/2010/main" val="2715724090"/>
       </p:ext>
     </p:extLst>
   </p:cSld>
@@ -953,7 +953,7 @@
           <p:cNvPr id="2" name="标题 1">
             <a:extLst>
               <a:ext uri="{FF2B5EF4-FFF2-40B4-BE49-F238E27FC236}">
-                <a16:creationId xmlns:a16="http://schemas.microsoft.com/office/drawing/2014/main" id="{BD1D7D3B-33B3-6BE2-E3BF-8C92F09FCEA3}"/>
+                <a16:creationId xmlns:a16="http://schemas.microsoft.com/office/drawing/2014/main" id="{D1531F0A-79AF-CBDF-9680-B524AE8EF2FF}"/>
               </a:ext>
             </a:extLst>
           </p:cNvPr>
@@ -990,7 +990,7 @@
           <p:cNvPr id="3" name="文本占位符 2">
             <a:extLst>
               <a:ext uri="{FF2B5EF4-FFF2-40B4-BE49-F238E27FC236}">
-                <a16:creationId xmlns:a16="http://schemas.microsoft.com/office/drawing/2014/main" id="{8DF3D142-AA74-18D1-196C-921687351A3F}"/>
+                <a16:creationId xmlns:a16="http://schemas.microsoft.com/office/drawing/2014/main" id="{19FFC4BB-A77B-14EF-853B-F55F3567EB25}"/>
               </a:ext>
             </a:extLst>
           </p:cNvPr>
@@ -1115,7 +1115,7 @@
           <p:cNvPr id="4" name="日期占位符 3">
             <a:extLst>
               <a:ext uri="{FF2B5EF4-FFF2-40B4-BE49-F238E27FC236}">
-                <a16:creationId xmlns:a16="http://schemas.microsoft.com/office/drawing/2014/main" id="{9B35C1A4-0F57-E893-87AA-35A3D2D9169B}"/>
+                <a16:creationId xmlns:a16="http://schemas.microsoft.com/office/drawing/2014/main" id="{E6A87591-7F05-CB85-FECD-719BCAF119C9}"/>
               </a:ext>
             </a:extLst>
           </p:cNvPr>
@@ -1131,7 +1131,7 @@
           <a:bodyPr/>
           <a:lstStyle/>
           <a:p>
-            <a:fld id="{C59E1E4C-57AD-4CCF-9ABD-AC80CB65D638}" type="datetimeFigureOut">
+            <a:fld id="{DD7938C0-BE8B-4B60-9417-FE83B2F26F67}" type="datetimeFigureOut">
               <a:rPr lang="zh-CN" altLang="en-US" smtClean="0"/>
               <a:t>2024/3/10</a:t>
             </a:fld>
@@ -1144,7 +1144,7 @@
           <p:cNvPr id="5" name="页脚占位符 4">
             <a:extLst>
               <a:ext uri="{FF2B5EF4-FFF2-40B4-BE49-F238E27FC236}">
-                <a16:creationId xmlns:a16="http://schemas.microsoft.com/office/drawing/2014/main" id="{9030EC97-A083-B28F-0571-FCA20829E138}"/>
+                <a16:creationId xmlns:a16="http://schemas.microsoft.com/office/drawing/2014/main" id="{555E145A-BEF7-6D82-8005-F777EA2530BD}"/>
               </a:ext>
             </a:extLst>
           </p:cNvPr>
@@ -1169,7 +1169,7 @@
           <p:cNvPr id="6" name="灯片编号占位符 5">
             <a:extLst>
               <a:ext uri="{FF2B5EF4-FFF2-40B4-BE49-F238E27FC236}">
-                <a16:creationId xmlns:a16="http://schemas.microsoft.com/office/drawing/2014/main" id="{1E3AA2B3-35FE-97D7-49CB-B02F0B7C4F18}"/>
+                <a16:creationId xmlns:a16="http://schemas.microsoft.com/office/drawing/2014/main" id="{9ABCAFE4-66F4-2157-7447-D90BE04F606A}"/>
               </a:ext>
             </a:extLst>
           </p:cNvPr>
@@ -1185,7 +1185,7 @@
           <a:bodyPr/>
           <a:lstStyle/>
           <a:p>
-            <a:fld id="{4BDEFB30-7EEE-40FB-BA7B-BD4C1DD05415}" type="slidenum">
+            <a:fld id="{23B42C69-406E-4D8C-8C07-C73844720A52}" type="slidenum">
               <a:rPr lang="zh-CN" altLang="en-US" smtClean="0"/>
               <a:t>‹#›</a:t>
             </a:fld>
@@ -1196,7 +1196,7 @@
     </p:spTree>
     <p:extLst>
       <p:ext uri="{BB962C8B-B14F-4D97-AF65-F5344CB8AC3E}">
-        <p14:creationId xmlns:p14="http://schemas.microsoft.com/office/powerpoint/2010/main" val="3187250073"/>
+        <p14:creationId xmlns:p14="http://schemas.microsoft.com/office/powerpoint/2010/main" val="324789849"/>
       </p:ext>
     </p:extLst>
   </p:cSld>
@@ -1228,7 +1228,7 @@
           <p:cNvPr id="2" name="标题 1">
             <a:extLst>
               <a:ext uri="{FF2B5EF4-FFF2-40B4-BE49-F238E27FC236}">
-                <a16:creationId xmlns:a16="http://schemas.microsoft.com/office/drawing/2014/main" id="{56BF5064-0701-B9FE-A705-D1C1652D17AD}"/>
+                <a16:creationId xmlns:a16="http://schemas.microsoft.com/office/drawing/2014/main" id="{832E34B3-6A28-BC7A-BF7A-AFB951E0F1F4}"/>
               </a:ext>
             </a:extLst>
           </p:cNvPr>
@@ -1256,7 +1256,7 @@
           <p:cNvPr id="3" name="内容占位符 2">
             <a:extLst>
               <a:ext uri="{FF2B5EF4-FFF2-40B4-BE49-F238E27FC236}">
-                <a16:creationId xmlns:a16="http://schemas.microsoft.com/office/drawing/2014/main" id="{9950FAE1-6B46-5C16-E594-7BDEB3FE393F}"/>
+                <a16:creationId xmlns:a16="http://schemas.microsoft.com/office/drawing/2014/main" id="{DC957BD5-2598-3152-B240-0CAC56B43E89}"/>
               </a:ext>
             </a:extLst>
           </p:cNvPr>
@@ -1318,7 +1318,7 @@
           <p:cNvPr id="4" name="内容占位符 3">
             <a:extLst>
               <a:ext uri="{FF2B5EF4-FFF2-40B4-BE49-F238E27FC236}">
-                <a16:creationId xmlns:a16="http://schemas.microsoft.com/office/drawing/2014/main" id="{CD0C783D-648D-50E7-82D2-D1FD719FE519}"/>
+                <a16:creationId xmlns:a16="http://schemas.microsoft.com/office/drawing/2014/main" id="{D6BFAF99-DC09-8C97-A429-C62CFBD6B051}"/>
               </a:ext>
             </a:extLst>
           </p:cNvPr>
@@ -1380,7 +1380,7 @@
           <p:cNvPr id="5" name="日期占位符 4">
             <a:extLst>
               <a:ext uri="{FF2B5EF4-FFF2-40B4-BE49-F238E27FC236}">
-                <a16:creationId xmlns:a16="http://schemas.microsoft.com/office/drawing/2014/main" id="{4DFBF82D-54AC-29C8-5FCF-1925F374EDE7}"/>
+                <a16:creationId xmlns:a16="http://schemas.microsoft.com/office/drawing/2014/main" id="{A9BD3F52-2E1A-4A47-5E1E-0ED369D6968D}"/>
               </a:ext>
             </a:extLst>
           </p:cNvPr>
@@ -1396,7 +1396,7 @@
           <a:bodyPr/>
           <a:lstStyle/>
           <a:p>
-            <a:fld id="{C59E1E4C-57AD-4CCF-9ABD-AC80CB65D638}" type="datetimeFigureOut">
+            <a:fld id="{DD7938C0-BE8B-4B60-9417-FE83B2F26F67}" type="datetimeFigureOut">
               <a:rPr lang="zh-CN" altLang="en-US" smtClean="0"/>
               <a:t>2024/3/10</a:t>
             </a:fld>
@@ -1409,7 +1409,7 @@
           <p:cNvPr id="6" name="页脚占位符 5">
             <a:extLst>
               <a:ext uri="{FF2B5EF4-FFF2-40B4-BE49-F238E27FC236}">
-                <a16:creationId xmlns:a16="http://schemas.microsoft.com/office/drawing/2014/main" id="{4CE2B154-7960-68DF-DD2F-739F3AFAC394}"/>
+                <a16:creationId xmlns:a16="http://schemas.microsoft.com/office/drawing/2014/main" id="{0B2FE5DA-26C6-745A-701E-3C6A254824DA}"/>
               </a:ext>
             </a:extLst>
           </p:cNvPr>
@@ -1434,7 +1434,7 @@
           <p:cNvPr id="7" name="灯片编号占位符 6">
             <a:extLst>
               <a:ext uri="{FF2B5EF4-FFF2-40B4-BE49-F238E27FC236}">
-                <a16:creationId xmlns:a16="http://schemas.microsoft.com/office/drawing/2014/main" id="{3A96DC3E-030D-DF65-2832-D79732025866}"/>
+                <a16:creationId xmlns:a16="http://schemas.microsoft.com/office/drawing/2014/main" id="{3B578A2B-5C59-1F7B-DC7E-39C0C570932E}"/>
               </a:ext>
             </a:extLst>
           </p:cNvPr>
@@ -1450,7 +1450,7 @@
           <a:bodyPr/>
           <a:lstStyle/>
           <a:p>
-            <a:fld id="{4BDEFB30-7EEE-40FB-BA7B-BD4C1DD05415}" type="slidenum">
+            <a:fld id="{23B42C69-406E-4D8C-8C07-C73844720A52}" type="slidenum">
               <a:rPr lang="zh-CN" altLang="en-US" smtClean="0"/>
               <a:t>‹#›</a:t>
             </a:fld>
@@ -1461,7 +1461,7 @@
     </p:spTree>
     <p:extLst>
       <p:ext uri="{BB962C8B-B14F-4D97-AF65-F5344CB8AC3E}">
-        <p14:creationId xmlns:p14="http://schemas.microsoft.com/office/powerpoint/2010/main" val="1591245775"/>
+        <p14:creationId xmlns:p14="http://schemas.microsoft.com/office/powerpoint/2010/main" val="2809761705"/>
       </p:ext>
     </p:extLst>
   </p:cSld>
@@ -1493,7 +1493,7 @@
           <p:cNvPr id="2" name="标题 1">
             <a:extLst>
               <a:ext uri="{FF2B5EF4-FFF2-40B4-BE49-F238E27FC236}">
-                <a16:creationId xmlns:a16="http://schemas.microsoft.com/office/drawing/2014/main" id="{AE5B84E4-0E13-390F-A3A9-FB02799A5956}"/>
+                <a16:creationId xmlns:a16="http://schemas.microsoft.com/office/drawing/2014/main" id="{235CB03C-265E-25EE-C2A2-AC7A335C5672}"/>
               </a:ext>
             </a:extLst>
           </p:cNvPr>
@@ -1526,7 +1526,7 @@
           <p:cNvPr id="3" name="文本占位符 2">
             <a:extLst>
               <a:ext uri="{FF2B5EF4-FFF2-40B4-BE49-F238E27FC236}">
-                <a16:creationId xmlns:a16="http://schemas.microsoft.com/office/drawing/2014/main" id="{4A8D8C44-BDE0-D172-8923-97A1D2E9029A}"/>
+                <a16:creationId xmlns:a16="http://schemas.microsoft.com/office/drawing/2014/main" id="{1D509FF6-5DEC-C782-460C-7878FE06FEC4}"/>
               </a:ext>
             </a:extLst>
           </p:cNvPr>
@@ -1597,7 +1597,7 @@
           <p:cNvPr id="4" name="内容占位符 3">
             <a:extLst>
               <a:ext uri="{FF2B5EF4-FFF2-40B4-BE49-F238E27FC236}">
-                <a16:creationId xmlns:a16="http://schemas.microsoft.com/office/drawing/2014/main" id="{89CBD35D-CB9E-C44D-8750-16A45BCC2AD7}"/>
+                <a16:creationId xmlns:a16="http://schemas.microsoft.com/office/drawing/2014/main" id="{2FEDD9E4-B6FD-7940-7A52-BD76C616C612}"/>
               </a:ext>
             </a:extLst>
           </p:cNvPr>
@@ -1659,7 +1659,7 @@
           <p:cNvPr id="5" name="文本占位符 4">
             <a:extLst>
               <a:ext uri="{FF2B5EF4-FFF2-40B4-BE49-F238E27FC236}">
-                <a16:creationId xmlns:a16="http://schemas.microsoft.com/office/drawing/2014/main" id="{01EF6629-C9C5-CE7A-12C6-27B08DC118B6}"/>
+                <a16:creationId xmlns:a16="http://schemas.microsoft.com/office/drawing/2014/main" id="{4553367C-7F02-7BD8-9E74-80C77FF8631A}"/>
               </a:ext>
             </a:extLst>
           </p:cNvPr>
@@ -1730,7 +1730,7 @@
           <p:cNvPr id="6" name="内容占位符 5">
             <a:extLst>
               <a:ext uri="{FF2B5EF4-FFF2-40B4-BE49-F238E27FC236}">
-                <a16:creationId xmlns:a16="http://schemas.microsoft.com/office/drawing/2014/main" id="{10C21606-1748-8E21-F55B-3EE0A9326B58}"/>
+                <a16:creationId xmlns:a16="http://schemas.microsoft.com/office/drawing/2014/main" id="{61B6E53C-77C7-BE36-0190-24F020FF908B}"/>
               </a:ext>
             </a:extLst>
           </p:cNvPr>
@@ -1792,7 +1792,7 @@
           <p:cNvPr id="7" name="日期占位符 6">
             <a:extLst>
               <a:ext uri="{FF2B5EF4-FFF2-40B4-BE49-F238E27FC236}">
-                <a16:creationId xmlns:a16="http://schemas.microsoft.com/office/drawing/2014/main" id="{8B0F5535-4ECC-595C-EFD2-3FAA1D64557A}"/>
+                <a16:creationId xmlns:a16="http://schemas.microsoft.com/office/drawing/2014/main" id="{E11DEA8C-6845-4643-0AB0-048FF5C0F9D0}"/>
               </a:ext>
             </a:extLst>
           </p:cNvPr>
@@ -1808,7 +1808,7 @@
           <a:bodyPr/>
           <a:lstStyle/>
           <a:p>
-            <a:fld id="{C59E1E4C-57AD-4CCF-9ABD-AC80CB65D638}" type="datetimeFigureOut">
+            <a:fld id="{DD7938C0-BE8B-4B60-9417-FE83B2F26F67}" type="datetimeFigureOut">
               <a:rPr lang="zh-CN" altLang="en-US" smtClean="0"/>
               <a:t>2024/3/10</a:t>
             </a:fld>
@@ -1821,7 +1821,7 @@
           <p:cNvPr id="8" name="页脚占位符 7">
             <a:extLst>
               <a:ext uri="{FF2B5EF4-FFF2-40B4-BE49-F238E27FC236}">
-                <a16:creationId xmlns:a16="http://schemas.microsoft.com/office/drawing/2014/main" id="{A6C99ED4-D6DE-1E06-946F-D438C5603100}"/>
+                <a16:creationId xmlns:a16="http://schemas.microsoft.com/office/drawing/2014/main" id="{D511AFA9-2591-40AE-C373-F45EF87CF735}"/>
               </a:ext>
             </a:extLst>
           </p:cNvPr>
@@ -1846,7 +1846,7 @@
           <p:cNvPr id="9" name="灯片编号占位符 8">
             <a:extLst>
               <a:ext uri="{FF2B5EF4-FFF2-40B4-BE49-F238E27FC236}">
-                <a16:creationId xmlns:a16="http://schemas.microsoft.com/office/drawing/2014/main" id="{7DF7DB50-E42B-D2B6-72F1-40F5019F93CC}"/>
+                <a16:creationId xmlns:a16="http://schemas.microsoft.com/office/drawing/2014/main" id="{0C86DE05-9622-FDC4-3D36-4F296C7076C9}"/>
               </a:ext>
             </a:extLst>
           </p:cNvPr>
@@ -1862,7 +1862,7 @@
           <a:bodyPr/>
           <a:lstStyle/>
           <a:p>
-            <a:fld id="{4BDEFB30-7EEE-40FB-BA7B-BD4C1DD05415}" type="slidenum">
+            <a:fld id="{23B42C69-406E-4D8C-8C07-C73844720A52}" type="slidenum">
               <a:rPr lang="zh-CN" altLang="en-US" smtClean="0"/>
               <a:t>‹#›</a:t>
             </a:fld>
@@ -1873,7 +1873,7 @@
     </p:spTree>
     <p:extLst>
       <p:ext uri="{BB962C8B-B14F-4D97-AF65-F5344CB8AC3E}">
-        <p14:creationId xmlns:p14="http://schemas.microsoft.com/office/powerpoint/2010/main" val="2298518472"/>
+        <p14:creationId xmlns:p14="http://schemas.microsoft.com/office/powerpoint/2010/main" val="457952552"/>
       </p:ext>
     </p:extLst>
   </p:cSld>
@@ -1905,7 +1905,7 @@
           <p:cNvPr id="2" name="标题 1">
             <a:extLst>
               <a:ext uri="{FF2B5EF4-FFF2-40B4-BE49-F238E27FC236}">
-                <a16:creationId xmlns:a16="http://schemas.microsoft.com/office/drawing/2014/main" id="{74FA817B-F3A9-E286-2853-D4F638CFF897}"/>
+                <a16:creationId xmlns:a16="http://schemas.microsoft.com/office/drawing/2014/main" id="{01ADC2EA-55AE-F4C3-5B13-3438C5F1AF05}"/>
               </a:ext>
             </a:extLst>
           </p:cNvPr>
@@ -1933,7 +1933,7 @@
           <p:cNvPr id="3" name="日期占位符 2">
             <a:extLst>
               <a:ext uri="{FF2B5EF4-FFF2-40B4-BE49-F238E27FC236}">
-                <a16:creationId xmlns:a16="http://schemas.microsoft.com/office/drawing/2014/main" id="{8E8C3FEB-117C-6F85-3908-0DA504CD483F}"/>
+                <a16:creationId xmlns:a16="http://schemas.microsoft.com/office/drawing/2014/main" id="{E92D65B3-A176-27BE-DBF1-892D263143A1}"/>
               </a:ext>
             </a:extLst>
           </p:cNvPr>
@@ -1949,7 +1949,7 @@
           <a:bodyPr/>
           <a:lstStyle/>
           <a:p>
-            <a:fld id="{C59E1E4C-57AD-4CCF-9ABD-AC80CB65D638}" type="datetimeFigureOut">
+            <a:fld id="{DD7938C0-BE8B-4B60-9417-FE83B2F26F67}" type="datetimeFigureOut">
               <a:rPr lang="zh-CN" altLang="en-US" smtClean="0"/>
               <a:t>2024/3/10</a:t>
             </a:fld>
@@ -1962,7 +1962,7 @@
           <p:cNvPr id="4" name="页脚占位符 3">
             <a:extLst>
               <a:ext uri="{FF2B5EF4-FFF2-40B4-BE49-F238E27FC236}">
-                <a16:creationId xmlns:a16="http://schemas.microsoft.com/office/drawing/2014/main" id="{69E55BF7-E3BB-99F7-42CE-A6DBF1091D25}"/>
+                <a16:creationId xmlns:a16="http://schemas.microsoft.com/office/drawing/2014/main" id="{A599DA28-6FE6-A5E7-1A50-411218B90C08}"/>
               </a:ext>
             </a:extLst>
           </p:cNvPr>
@@ -1987,7 +1987,7 @@
           <p:cNvPr id="5" name="灯片编号占位符 4">
             <a:extLst>
               <a:ext uri="{FF2B5EF4-FFF2-40B4-BE49-F238E27FC236}">
-                <a16:creationId xmlns:a16="http://schemas.microsoft.com/office/drawing/2014/main" id="{283A2785-FB2A-8E36-133C-FF33681C2D88}"/>
+                <a16:creationId xmlns:a16="http://schemas.microsoft.com/office/drawing/2014/main" id="{5DFC5156-C73E-F8E2-FADF-D1697CB26E68}"/>
               </a:ext>
             </a:extLst>
           </p:cNvPr>
@@ -2003,7 +2003,7 @@
           <a:bodyPr/>
           <a:lstStyle/>
           <a:p>
-            <a:fld id="{4BDEFB30-7EEE-40FB-BA7B-BD4C1DD05415}" type="slidenum">
+            <a:fld id="{23B42C69-406E-4D8C-8C07-C73844720A52}" type="slidenum">
               <a:rPr lang="zh-CN" altLang="en-US" smtClean="0"/>
               <a:t>‹#›</a:t>
             </a:fld>
@@ -2014,7 +2014,7 @@
     </p:spTree>
     <p:extLst>
       <p:ext uri="{BB962C8B-B14F-4D97-AF65-F5344CB8AC3E}">
-        <p14:creationId xmlns:p14="http://schemas.microsoft.com/office/powerpoint/2010/main" val="2840812315"/>
+        <p14:creationId xmlns:p14="http://schemas.microsoft.com/office/powerpoint/2010/main" val="2901604136"/>
       </p:ext>
     </p:extLst>
   </p:cSld>
@@ -2046,7 +2046,7 @@
           <p:cNvPr id="2" name="日期占位符 1">
             <a:extLst>
               <a:ext uri="{FF2B5EF4-FFF2-40B4-BE49-F238E27FC236}">
-                <a16:creationId xmlns:a16="http://schemas.microsoft.com/office/drawing/2014/main" id="{F84C5A94-B38D-CDF8-38A8-B59E8F42450C}"/>
+                <a16:creationId xmlns:a16="http://schemas.microsoft.com/office/drawing/2014/main" id="{467EC486-7659-75B5-301D-B970DFD74C0A}"/>
               </a:ext>
             </a:extLst>
           </p:cNvPr>
@@ -2062,7 +2062,7 @@
           <a:bodyPr/>
           <a:lstStyle/>
           <a:p>
-            <a:fld id="{C59E1E4C-57AD-4CCF-9ABD-AC80CB65D638}" type="datetimeFigureOut">
+            <a:fld id="{DD7938C0-BE8B-4B60-9417-FE83B2F26F67}" type="datetimeFigureOut">
               <a:rPr lang="zh-CN" altLang="en-US" smtClean="0"/>
               <a:t>2024/3/10</a:t>
             </a:fld>
@@ -2075,7 +2075,7 @@
           <p:cNvPr id="3" name="页脚占位符 2">
             <a:extLst>
               <a:ext uri="{FF2B5EF4-FFF2-40B4-BE49-F238E27FC236}">
-                <a16:creationId xmlns:a16="http://schemas.microsoft.com/office/drawing/2014/main" id="{7EBB4EAD-5098-E34E-1C02-30A8A2D5B436}"/>
+                <a16:creationId xmlns:a16="http://schemas.microsoft.com/office/drawing/2014/main" id="{E11A2A7C-033A-1227-114F-1025DCAF9C93}"/>
               </a:ext>
             </a:extLst>
           </p:cNvPr>
@@ -2100,7 +2100,7 @@
           <p:cNvPr id="4" name="灯片编号占位符 3">
             <a:extLst>
               <a:ext uri="{FF2B5EF4-FFF2-40B4-BE49-F238E27FC236}">
-                <a16:creationId xmlns:a16="http://schemas.microsoft.com/office/drawing/2014/main" id="{2C953C82-9A32-5D8C-3BE8-9F032AFAA06F}"/>
+                <a16:creationId xmlns:a16="http://schemas.microsoft.com/office/drawing/2014/main" id="{C5954C8E-8F8C-FB64-D705-BE9ABD2344E1}"/>
               </a:ext>
             </a:extLst>
           </p:cNvPr>
@@ -2116,7 +2116,7 @@
           <a:bodyPr/>
           <a:lstStyle/>
           <a:p>
-            <a:fld id="{4BDEFB30-7EEE-40FB-BA7B-BD4C1DD05415}" type="slidenum">
+            <a:fld id="{23B42C69-406E-4D8C-8C07-C73844720A52}" type="slidenum">
               <a:rPr lang="zh-CN" altLang="en-US" smtClean="0"/>
               <a:t>‹#›</a:t>
             </a:fld>
@@ -2127,7 +2127,7 @@
     </p:spTree>
     <p:extLst>
       <p:ext uri="{BB962C8B-B14F-4D97-AF65-F5344CB8AC3E}">
-        <p14:creationId xmlns:p14="http://schemas.microsoft.com/office/powerpoint/2010/main" val="60197464"/>
+        <p14:creationId xmlns:p14="http://schemas.microsoft.com/office/powerpoint/2010/main" val="3287230810"/>
       </p:ext>
     </p:extLst>
   </p:cSld>
@@ -2159,7 +2159,7 @@
           <p:cNvPr id="2" name="标题 1">
             <a:extLst>
               <a:ext uri="{FF2B5EF4-FFF2-40B4-BE49-F238E27FC236}">
-                <a16:creationId xmlns:a16="http://schemas.microsoft.com/office/drawing/2014/main" id="{1F10993E-895E-57FC-93C2-77E4C3A08142}"/>
+                <a16:creationId xmlns:a16="http://schemas.microsoft.com/office/drawing/2014/main" id="{538B9ED7-38EC-4548-8C79-07ADF38D43EC}"/>
               </a:ext>
             </a:extLst>
           </p:cNvPr>
@@ -2196,7 +2196,7 @@
           <p:cNvPr id="3" name="内容占位符 2">
             <a:extLst>
               <a:ext uri="{FF2B5EF4-FFF2-40B4-BE49-F238E27FC236}">
-                <a16:creationId xmlns:a16="http://schemas.microsoft.com/office/drawing/2014/main" id="{C400ACEF-C8D2-C63F-6D12-E513966C57F9}"/>
+                <a16:creationId xmlns:a16="http://schemas.microsoft.com/office/drawing/2014/main" id="{800519D1-F878-DAAA-70F6-D3E2D15D5BC8}"/>
               </a:ext>
             </a:extLst>
           </p:cNvPr>
@@ -2286,7 +2286,7 @@
           <p:cNvPr id="4" name="文本占位符 3">
             <a:extLst>
               <a:ext uri="{FF2B5EF4-FFF2-40B4-BE49-F238E27FC236}">
-                <a16:creationId xmlns:a16="http://schemas.microsoft.com/office/drawing/2014/main" id="{8D9B0CE8-2440-E25E-A262-ADF3A16EF182}"/>
+                <a16:creationId xmlns:a16="http://schemas.microsoft.com/office/drawing/2014/main" id="{53BC5909-0EF4-4B17-52E5-C74D4444C14B}"/>
               </a:ext>
             </a:extLst>
           </p:cNvPr>
@@ -2357,7 +2357,7 @@
           <p:cNvPr id="5" name="日期占位符 4">
             <a:extLst>
               <a:ext uri="{FF2B5EF4-FFF2-40B4-BE49-F238E27FC236}">
-                <a16:creationId xmlns:a16="http://schemas.microsoft.com/office/drawing/2014/main" id="{71B8E45F-70F7-A0A3-4EF1-79F567A729BA}"/>
+                <a16:creationId xmlns:a16="http://schemas.microsoft.com/office/drawing/2014/main" id="{5C6BD4B5-9DF7-1057-803B-46C05DBF911B}"/>
               </a:ext>
             </a:extLst>
           </p:cNvPr>
@@ -2373,7 +2373,7 @@
           <a:bodyPr/>
           <a:lstStyle/>
           <a:p>
-            <a:fld id="{C59E1E4C-57AD-4CCF-9ABD-AC80CB65D638}" type="datetimeFigureOut">
+            <a:fld id="{DD7938C0-BE8B-4B60-9417-FE83B2F26F67}" type="datetimeFigureOut">
               <a:rPr lang="zh-CN" altLang="en-US" smtClean="0"/>
               <a:t>2024/3/10</a:t>
             </a:fld>
@@ -2386,7 +2386,7 @@
           <p:cNvPr id="6" name="页脚占位符 5">
             <a:extLst>
               <a:ext uri="{FF2B5EF4-FFF2-40B4-BE49-F238E27FC236}">
-                <a16:creationId xmlns:a16="http://schemas.microsoft.com/office/drawing/2014/main" id="{6F41782D-867D-5076-B211-46DBF1A000F7}"/>
+                <a16:creationId xmlns:a16="http://schemas.microsoft.com/office/drawing/2014/main" id="{38983CF7-EC15-EB40-61CA-1EB7622042D6}"/>
               </a:ext>
             </a:extLst>
           </p:cNvPr>
@@ -2411,7 +2411,7 @@
           <p:cNvPr id="7" name="灯片编号占位符 6">
             <a:extLst>
               <a:ext uri="{FF2B5EF4-FFF2-40B4-BE49-F238E27FC236}">
-                <a16:creationId xmlns:a16="http://schemas.microsoft.com/office/drawing/2014/main" id="{CFC2CD21-9812-4B8A-FA14-4B3250B251E6}"/>
+                <a16:creationId xmlns:a16="http://schemas.microsoft.com/office/drawing/2014/main" id="{ECD38F6D-0A2D-A1AC-9536-7FD697B8BAC5}"/>
               </a:ext>
             </a:extLst>
           </p:cNvPr>
@@ -2427,7 +2427,7 @@
           <a:bodyPr/>
           <a:lstStyle/>
           <a:p>
-            <a:fld id="{4BDEFB30-7EEE-40FB-BA7B-BD4C1DD05415}" type="slidenum">
+            <a:fld id="{23B42C69-406E-4D8C-8C07-C73844720A52}" type="slidenum">
               <a:rPr lang="zh-CN" altLang="en-US" smtClean="0"/>
               <a:t>‹#›</a:t>
             </a:fld>
@@ -2438,7 +2438,7 @@
     </p:spTree>
     <p:extLst>
       <p:ext uri="{BB962C8B-B14F-4D97-AF65-F5344CB8AC3E}">
-        <p14:creationId xmlns:p14="http://schemas.microsoft.com/office/powerpoint/2010/main" val="562685543"/>
+        <p14:creationId xmlns:p14="http://schemas.microsoft.com/office/powerpoint/2010/main" val="2007292542"/>
       </p:ext>
     </p:extLst>
   </p:cSld>
@@ -2470,7 +2470,7 @@
           <p:cNvPr id="2" name="标题 1">
             <a:extLst>
               <a:ext uri="{FF2B5EF4-FFF2-40B4-BE49-F238E27FC236}">
-                <a16:creationId xmlns:a16="http://schemas.microsoft.com/office/drawing/2014/main" id="{A12C9A6E-4833-D7F0-E2F4-AE986DC4D35E}"/>
+                <a16:creationId xmlns:a16="http://schemas.microsoft.com/office/drawing/2014/main" id="{77F7F5E0-6735-9BE4-6073-280A12AF67B2}"/>
               </a:ext>
             </a:extLst>
           </p:cNvPr>
@@ -2507,7 +2507,7 @@
           <p:cNvPr id="3" name="图片占位符 2">
             <a:extLst>
               <a:ext uri="{FF2B5EF4-FFF2-40B4-BE49-F238E27FC236}">
-                <a16:creationId xmlns:a16="http://schemas.microsoft.com/office/drawing/2014/main" id="{84F87835-67F0-ECC4-9831-E723CFEB62F3}"/>
+                <a16:creationId xmlns:a16="http://schemas.microsoft.com/office/drawing/2014/main" id="{FC3FA95C-B100-3A35-E1A1-805C490BFC3F}"/>
               </a:ext>
             </a:extLst>
           </p:cNvPr>
@@ -2574,7 +2574,7 @@
           <p:cNvPr id="4" name="文本占位符 3">
             <a:extLst>
               <a:ext uri="{FF2B5EF4-FFF2-40B4-BE49-F238E27FC236}">
-                <a16:creationId xmlns:a16="http://schemas.microsoft.com/office/drawing/2014/main" id="{604302AB-D31B-BEEE-0299-0122533A7EEC}"/>
+                <a16:creationId xmlns:a16="http://schemas.microsoft.com/office/drawing/2014/main" id="{76442888-3AF5-4584-9E7E-1433CD8C0A98}"/>
               </a:ext>
             </a:extLst>
           </p:cNvPr>
@@ -2645,7 +2645,7 @@
           <p:cNvPr id="5" name="日期占位符 4">
             <a:extLst>
               <a:ext uri="{FF2B5EF4-FFF2-40B4-BE49-F238E27FC236}">
-                <a16:creationId xmlns:a16="http://schemas.microsoft.com/office/drawing/2014/main" id="{D0AF661A-1CE2-6E45-F432-E666207D9D2C}"/>
+                <a16:creationId xmlns:a16="http://schemas.microsoft.com/office/drawing/2014/main" id="{F2988371-CD08-5FA9-5BBA-6A031B4EC597}"/>
               </a:ext>
             </a:extLst>
           </p:cNvPr>
@@ -2661,7 +2661,7 @@
           <a:bodyPr/>
           <a:lstStyle/>
           <a:p>
-            <a:fld id="{C59E1E4C-57AD-4CCF-9ABD-AC80CB65D638}" type="datetimeFigureOut">
+            <a:fld id="{DD7938C0-BE8B-4B60-9417-FE83B2F26F67}" type="datetimeFigureOut">
               <a:rPr lang="zh-CN" altLang="en-US" smtClean="0"/>
               <a:t>2024/3/10</a:t>
             </a:fld>
@@ -2674,7 +2674,7 @@
           <p:cNvPr id="6" name="页脚占位符 5">
             <a:extLst>
               <a:ext uri="{FF2B5EF4-FFF2-40B4-BE49-F238E27FC236}">
-                <a16:creationId xmlns:a16="http://schemas.microsoft.com/office/drawing/2014/main" id="{F659E4B1-7D0F-DA8B-0F92-09D8E2109F50}"/>
+                <a16:creationId xmlns:a16="http://schemas.microsoft.com/office/drawing/2014/main" id="{8636A818-6686-FAAB-C58A-2017864EFB24}"/>
               </a:ext>
             </a:extLst>
           </p:cNvPr>
@@ -2699,7 +2699,7 @@
           <p:cNvPr id="7" name="灯片编号占位符 6">
             <a:extLst>
               <a:ext uri="{FF2B5EF4-FFF2-40B4-BE49-F238E27FC236}">
-                <a16:creationId xmlns:a16="http://schemas.microsoft.com/office/drawing/2014/main" id="{A1117399-13EA-8FBE-961A-FF3F682E02BE}"/>
+                <a16:creationId xmlns:a16="http://schemas.microsoft.com/office/drawing/2014/main" id="{A055CC82-1589-5B6D-C2A8-12727C174630}"/>
               </a:ext>
             </a:extLst>
           </p:cNvPr>
@@ -2715,7 +2715,7 @@
           <a:bodyPr/>
           <a:lstStyle/>
           <a:p>
-            <a:fld id="{4BDEFB30-7EEE-40FB-BA7B-BD4C1DD05415}" type="slidenum">
+            <a:fld id="{23B42C69-406E-4D8C-8C07-C73844720A52}" type="slidenum">
               <a:rPr lang="zh-CN" altLang="en-US" smtClean="0"/>
               <a:t>‹#›</a:t>
             </a:fld>
@@ -2726,7 +2726,7 @@
     </p:spTree>
     <p:extLst>
       <p:ext uri="{BB962C8B-B14F-4D97-AF65-F5344CB8AC3E}">
-        <p14:creationId xmlns:p14="http://schemas.microsoft.com/office/powerpoint/2010/main" val="611671246"/>
+        <p14:creationId xmlns:p14="http://schemas.microsoft.com/office/powerpoint/2010/main" val="3463974673"/>
       </p:ext>
     </p:extLst>
   </p:cSld>
@@ -2763,7 +2763,7 @@
           <p:cNvPr id="2" name="标题占位符 1">
             <a:extLst>
               <a:ext uri="{FF2B5EF4-FFF2-40B4-BE49-F238E27FC236}">
-                <a16:creationId xmlns:a16="http://schemas.microsoft.com/office/drawing/2014/main" id="{0455C9E4-0041-AB17-BA7C-23F013B51E2E}"/>
+                <a16:creationId xmlns:a16="http://schemas.microsoft.com/office/drawing/2014/main" id="{B21B288A-4E7A-A406-368C-F176D05AB42F}"/>
               </a:ext>
             </a:extLst>
           </p:cNvPr>
@@ -2801,7 +2801,7 @@
           <p:cNvPr id="3" name="文本占位符 2">
             <a:extLst>
               <a:ext uri="{FF2B5EF4-FFF2-40B4-BE49-F238E27FC236}">
-                <a16:creationId xmlns:a16="http://schemas.microsoft.com/office/drawing/2014/main" id="{89BE0C78-9D0A-C166-9B2A-3D0E7944DC83}"/>
+                <a16:creationId xmlns:a16="http://schemas.microsoft.com/office/drawing/2014/main" id="{E581E0B0-07E5-43FA-BE06-6022AEAFE229}"/>
               </a:ext>
             </a:extLst>
           </p:cNvPr>
@@ -2868,7 +2868,7 @@
           <p:cNvPr id="4" name="日期占位符 3">
             <a:extLst>
               <a:ext uri="{FF2B5EF4-FFF2-40B4-BE49-F238E27FC236}">
-                <a16:creationId xmlns:a16="http://schemas.microsoft.com/office/drawing/2014/main" id="{D182840B-F739-ECD0-4932-DB656078E87B}"/>
+                <a16:creationId xmlns:a16="http://schemas.microsoft.com/office/drawing/2014/main" id="{9781C132-B5F2-3D8F-F4AF-8634960E8521}"/>
               </a:ext>
             </a:extLst>
           </p:cNvPr>
@@ -2902,7 +2902,7 @@
             </a:lvl1pPr>
           </a:lstStyle>
           <a:p>
-            <a:fld id="{C59E1E4C-57AD-4CCF-9ABD-AC80CB65D638}" type="datetimeFigureOut">
+            <a:fld id="{DD7938C0-BE8B-4B60-9417-FE83B2F26F67}" type="datetimeFigureOut">
               <a:rPr lang="zh-CN" altLang="en-US" smtClean="0"/>
               <a:t>2024/3/10</a:t>
             </a:fld>
@@ -2915,7 +2915,7 @@
           <p:cNvPr id="5" name="页脚占位符 4">
             <a:extLst>
               <a:ext uri="{FF2B5EF4-FFF2-40B4-BE49-F238E27FC236}">
-                <a16:creationId xmlns:a16="http://schemas.microsoft.com/office/drawing/2014/main" id="{26F6EE1A-9BEF-6422-351F-7AF68EF96576}"/>
+                <a16:creationId xmlns:a16="http://schemas.microsoft.com/office/drawing/2014/main" id="{39AECA2E-739E-082A-0923-53DD1B70BD6E}"/>
               </a:ext>
             </a:extLst>
           </p:cNvPr>
@@ -2958,7 +2958,7 @@
           <p:cNvPr id="6" name="灯片编号占位符 5">
             <a:extLst>
               <a:ext uri="{FF2B5EF4-FFF2-40B4-BE49-F238E27FC236}">
-                <a16:creationId xmlns:a16="http://schemas.microsoft.com/office/drawing/2014/main" id="{59985F20-EB87-8578-58BE-FB65B2CCF1B2}"/>
+                <a16:creationId xmlns:a16="http://schemas.microsoft.com/office/drawing/2014/main" id="{54592937-E5AD-CA7E-4247-48A9A480982E}"/>
               </a:ext>
             </a:extLst>
           </p:cNvPr>
@@ -2992,7 +2992,7 @@
             </a:lvl1pPr>
           </a:lstStyle>
           <a:p>
-            <a:fld id="{4BDEFB30-7EEE-40FB-BA7B-BD4C1DD05415}" type="slidenum">
+            <a:fld id="{23B42C69-406E-4D8C-8C07-C73844720A52}" type="slidenum">
               <a:rPr lang="zh-CN" altLang="en-US" smtClean="0"/>
               <a:t>‹#›</a:t>
             </a:fld>
@@ -3003,7 +3003,7 @@
     </p:spTree>
     <p:extLst>
       <p:ext uri="{BB962C8B-B14F-4D97-AF65-F5344CB8AC3E}">
-        <p14:creationId xmlns:p14="http://schemas.microsoft.com/office/powerpoint/2010/main" val="950185909"/>
+        <p14:creationId xmlns:p14="http://schemas.microsoft.com/office/powerpoint/2010/main" val="2849310935"/>
       </p:ext>
     </p:extLst>
   </p:cSld>
@@ -3323,7 +3323,7 @@
       </p:grpSpPr>
       <p:pic>
         <p:nvPicPr>
-          <p:cNvPr id="1059842" name="Picture 2" descr="1034"/>
+          <p:cNvPr id="1060866" name="Picture 2" descr="1035"/>
           <p:cNvPicPr>
             <a:picLocks noChangeAspect="1" noChangeArrowheads="1"/>
           </p:cNvPicPr>
@@ -3377,7 +3377,7 @@
       </p:pic>
       <p:pic>
         <p:nvPicPr>
-          <p:cNvPr id="1060867" name="Picture 3" descr="1034-2"/>
+          <p:cNvPr id="1061891" name="Picture 3" descr="1035-2"/>
           <p:cNvPicPr>
             <a:picLocks noChangeAspect="1" noChangeArrowheads="1"/>
           </p:cNvPicPr>
@@ -3398,8 +3398,8 @@
         </p:blipFill>
         <p:spPr bwMode="auto">
           <a:xfrm>
-            <a:off x="1524000" y="1"/>
-            <a:ext cx="9124950" cy="6843713"/>
+            <a:off x="1501775" y="1589"/>
+            <a:ext cx="9131300" cy="6789737"/>
           </a:xfrm>
           <a:prstGeom prst="rect">
             <a:avLst/>
@@ -3478,7 +3478,7 @@
                                           </p:stCondLst>
                                         </p:cTn>
                                         <p:tgtEl>
-                                          <p:spTgt spid="1060867"/>
+                                          <p:spTgt spid="1061891"/>
                                         </p:tgtEl>
                                         <p:attrNameLst>
                                           <p:attrName>style.visibility</p:attrName>
@@ -3492,7 +3492,7 @@
                                       <p:cBhvr>
                                         <p:cTn id="7" dur="500"/>
                                         <p:tgtEl>
-                                          <p:spTgt spid="1060867"/>
+                                          <p:spTgt spid="1061891"/>
                                         </p:tgtEl>
                                       </p:cBhvr>
                                     </p:animEffect>
